--- a/net benefit/Net Benefit.pptx
+++ b/net benefit/Net Benefit.pptx
@@ -209,7 +209,7 @@
           <a:p>
             <a:fld id="{C44F37D3-4E36-493B-9BC8-AF22DD3896B2}" type="datetimeFigureOut">
               <a:rPr lang="en-CA" smtClean="0"/>
-              <a:t>2022-01-25</a:t>
+              <a:t>2023-08-14</a:t>
             </a:fld>
             <a:endParaRPr lang="en-CA"/>
           </a:p>
@@ -896,7 +896,7 @@
           <a:p>
             <a:fld id="{0C80311D-B8CE-468D-B644-379DAD05F0B7}" type="datetimeFigureOut">
               <a:rPr lang="en-CA" smtClean="0"/>
-              <a:t>2022-01-25</a:t>
+              <a:t>2023-08-14</a:t>
             </a:fld>
             <a:endParaRPr lang="en-CA"/>
           </a:p>
@@ -1096,7 +1096,7 @@
           <a:p>
             <a:fld id="{0C80311D-B8CE-468D-B644-379DAD05F0B7}" type="datetimeFigureOut">
               <a:rPr lang="en-CA" smtClean="0"/>
-              <a:t>2022-01-25</a:t>
+              <a:t>2023-08-14</a:t>
             </a:fld>
             <a:endParaRPr lang="en-CA"/>
           </a:p>
@@ -1306,7 +1306,7 @@
           <a:p>
             <a:fld id="{0C80311D-B8CE-468D-B644-379DAD05F0B7}" type="datetimeFigureOut">
               <a:rPr lang="en-CA" smtClean="0"/>
-              <a:t>2022-01-25</a:t>
+              <a:t>2023-08-14</a:t>
             </a:fld>
             <a:endParaRPr lang="en-CA"/>
           </a:p>
@@ -1506,7 +1506,7 @@
           <a:p>
             <a:fld id="{0C80311D-B8CE-468D-B644-379DAD05F0B7}" type="datetimeFigureOut">
               <a:rPr lang="en-CA" smtClean="0"/>
-              <a:t>2022-01-25</a:t>
+              <a:t>2023-08-14</a:t>
             </a:fld>
             <a:endParaRPr lang="en-CA"/>
           </a:p>
@@ -1782,7 +1782,7 @@
           <a:p>
             <a:fld id="{0C80311D-B8CE-468D-B644-379DAD05F0B7}" type="datetimeFigureOut">
               <a:rPr lang="en-CA" smtClean="0"/>
-              <a:t>2022-01-25</a:t>
+              <a:t>2023-08-14</a:t>
             </a:fld>
             <a:endParaRPr lang="en-CA"/>
           </a:p>
@@ -2050,7 +2050,7 @@
           <a:p>
             <a:fld id="{0C80311D-B8CE-468D-B644-379DAD05F0B7}" type="datetimeFigureOut">
               <a:rPr lang="en-CA" smtClean="0"/>
-              <a:t>2022-01-25</a:t>
+              <a:t>2023-08-14</a:t>
             </a:fld>
             <a:endParaRPr lang="en-CA"/>
           </a:p>
@@ -2465,7 +2465,7 @@
           <a:p>
             <a:fld id="{0C80311D-B8CE-468D-B644-379DAD05F0B7}" type="datetimeFigureOut">
               <a:rPr lang="en-CA" smtClean="0"/>
-              <a:t>2022-01-25</a:t>
+              <a:t>2023-08-14</a:t>
             </a:fld>
             <a:endParaRPr lang="en-CA"/>
           </a:p>
@@ -2607,7 +2607,7 @@
           <a:p>
             <a:fld id="{0C80311D-B8CE-468D-B644-379DAD05F0B7}" type="datetimeFigureOut">
               <a:rPr lang="en-CA" smtClean="0"/>
-              <a:t>2022-01-25</a:t>
+              <a:t>2023-08-14</a:t>
             </a:fld>
             <a:endParaRPr lang="en-CA"/>
           </a:p>
@@ -2720,7 +2720,7 @@
           <a:p>
             <a:fld id="{0C80311D-B8CE-468D-B644-379DAD05F0B7}" type="datetimeFigureOut">
               <a:rPr lang="en-CA" smtClean="0"/>
-              <a:t>2022-01-25</a:t>
+              <a:t>2023-08-14</a:t>
             </a:fld>
             <a:endParaRPr lang="en-CA"/>
           </a:p>
@@ -3033,7 +3033,7 @@
           <a:p>
             <a:fld id="{0C80311D-B8CE-468D-B644-379DAD05F0B7}" type="datetimeFigureOut">
               <a:rPr lang="en-CA" smtClean="0"/>
-              <a:t>2022-01-25</a:t>
+              <a:t>2023-08-14</a:t>
             </a:fld>
             <a:endParaRPr lang="en-CA"/>
           </a:p>
@@ -3322,7 +3322,7 @@
           <a:p>
             <a:fld id="{0C80311D-B8CE-468D-B644-379DAD05F0B7}" type="datetimeFigureOut">
               <a:rPr lang="en-CA" smtClean="0"/>
-              <a:t>2022-01-25</a:t>
+              <a:t>2023-08-14</a:t>
             </a:fld>
             <a:endParaRPr lang="en-CA"/>
           </a:p>
@@ -3565,7 +3565,7 @@
           <a:p>
             <a:fld id="{0C80311D-B8CE-468D-B644-379DAD05F0B7}" type="datetimeFigureOut">
               <a:rPr lang="en-CA" smtClean="0"/>
-              <a:t>2022-01-25</a:t>
+              <a:t>2023-08-14</a:t>
             </a:fld>
             <a:endParaRPr lang="en-CA"/>
           </a:p>
@@ -4976,7 +4976,15 @@
           <a:p>
             <a:r>
               <a:rPr lang="en-CA" dirty="0"/>
-              <a:t>Statistical measures are gauge performance of models and diagnostic tests</a:t>
+              <a:t>Statistical </a:t>
+            </a:r>
+            <a:r>
+              <a:rPr lang="en-CA"/>
+              <a:t>measures gauge </a:t>
+            </a:r>
+            <a:r>
+              <a:rPr lang="en-CA" dirty="0"/>
+              <a:t>performance of models and diagnostic tests</a:t>
             </a:r>
           </a:p>
           <a:p>
